--- a/media/components.pptx
+++ b/media/components.pptx
@@ -197,7 +197,7 @@
           <a:p>
             <a:fld id="{2493DBFB-1373-FB44-B528-39E7BE5C2A0C}" type="datetimeFigureOut">
               <a:rPr lang="sv-SE" smtClean="0"/>
-              <a:t>2019-08-14</a:t>
+              <a:t>2019-08-30</a:t>
             </a:fld>
             <a:endParaRPr lang="sv-SE"/>
           </a:p>
@@ -595,7 +595,7 @@
           <a:p>
             <a:fld id="{0199F140-DCCC-1C43-B697-AE5A4988A779}" type="datetimeFigureOut">
               <a:rPr lang="sv-SE" smtClean="0"/>
-              <a:t>2019-08-14</a:t>
+              <a:t>2019-08-30</a:t>
             </a:fld>
             <a:endParaRPr lang="sv-SE"/>
           </a:p>
@@ -765,7 +765,7 @@
           <a:p>
             <a:fld id="{0199F140-DCCC-1C43-B697-AE5A4988A779}" type="datetimeFigureOut">
               <a:rPr lang="sv-SE" smtClean="0"/>
-              <a:t>2019-08-14</a:t>
+              <a:t>2019-08-30</a:t>
             </a:fld>
             <a:endParaRPr lang="sv-SE"/>
           </a:p>
@@ -945,7 +945,7 @@
           <a:p>
             <a:fld id="{0199F140-DCCC-1C43-B697-AE5A4988A779}" type="datetimeFigureOut">
               <a:rPr lang="sv-SE" smtClean="0"/>
-              <a:t>2019-08-14</a:t>
+              <a:t>2019-08-30</a:t>
             </a:fld>
             <a:endParaRPr lang="sv-SE"/>
           </a:p>
@@ -1115,7 +1115,7 @@
           <a:p>
             <a:fld id="{0199F140-DCCC-1C43-B697-AE5A4988A779}" type="datetimeFigureOut">
               <a:rPr lang="sv-SE" smtClean="0"/>
-              <a:t>2019-08-14</a:t>
+              <a:t>2019-08-30</a:t>
             </a:fld>
             <a:endParaRPr lang="sv-SE"/>
           </a:p>
@@ -1359,7 +1359,7 @@
           <a:p>
             <a:fld id="{0199F140-DCCC-1C43-B697-AE5A4988A779}" type="datetimeFigureOut">
               <a:rPr lang="sv-SE" smtClean="0"/>
-              <a:t>2019-08-14</a:t>
+              <a:t>2019-08-30</a:t>
             </a:fld>
             <a:endParaRPr lang="sv-SE"/>
           </a:p>
@@ -1591,7 +1591,7 @@
           <a:p>
             <a:fld id="{0199F140-DCCC-1C43-B697-AE5A4988A779}" type="datetimeFigureOut">
               <a:rPr lang="sv-SE" smtClean="0"/>
-              <a:t>2019-08-14</a:t>
+              <a:t>2019-08-30</a:t>
             </a:fld>
             <a:endParaRPr lang="sv-SE"/>
           </a:p>
@@ -1958,7 +1958,7 @@
           <a:p>
             <a:fld id="{0199F140-DCCC-1C43-B697-AE5A4988A779}" type="datetimeFigureOut">
               <a:rPr lang="sv-SE" smtClean="0"/>
-              <a:t>2019-08-14</a:t>
+              <a:t>2019-08-30</a:t>
             </a:fld>
             <a:endParaRPr lang="sv-SE"/>
           </a:p>
@@ -2076,7 +2076,7 @@
           <a:p>
             <a:fld id="{0199F140-DCCC-1C43-B697-AE5A4988A779}" type="datetimeFigureOut">
               <a:rPr lang="sv-SE" smtClean="0"/>
-              <a:t>2019-08-14</a:t>
+              <a:t>2019-08-30</a:t>
             </a:fld>
             <a:endParaRPr lang="sv-SE"/>
           </a:p>
@@ -2171,7 +2171,7 @@
           <a:p>
             <a:fld id="{0199F140-DCCC-1C43-B697-AE5A4988A779}" type="datetimeFigureOut">
               <a:rPr lang="sv-SE" smtClean="0"/>
-              <a:t>2019-08-14</a:t>
+              <a:t>2019-08-30</a:t>
             </a:fld>
             <a:endParaRPr lang="sv-SE"/>
           </a:p>
@@ -2448,7 +2448,7 @@
           <a:p>
             <a:fld id="{0199F140-DCCC-1C43-B697-AE5A4988A779}" type="datetimeFigureOut">
               <a:rPr lang="sv-SE" smtClean="0"/>
-              <a:t>2019-08-14</a:t>
+              <a:t>2019-08-30</a:t>
             </a:fld>
             <a:endParaRPr lang="sv-SE"/>
           </a:p>
@@ -2705,7 +2705,7 @@
           <a:p>
             <a:fld id="{0199F140-DCCC-1C43-B697-AE5A4988A779}" type="datetimeFigureOut">
               <a:rPr lang="sv-SE" smtClean="0"/>
-              <a:t>2019-08-14</a:t>
+              <a:t>2019-08-30</a:t>
             </a:fld>
             <a:endParaRPr lang="sv-SE"/>
           </a:p>
@@ -2918,7 +2918,7 @@
           <a:p>
             <a:fld id="{0199F140-DCCC-1C43-B697-AE5A4988A779}" type="datetimeFigureOut">
               <a:rPr lang="sv-SE" smtClean="0"/>
-              <a:t>2019-08-14</a:t>
+              <a:t>2019-08-30</a:t>
             </a:fld>
             <a:endParaRPr lang="sv-SE"/>
           </a:p>
@@ -3559,7 +3559,7 @@
         </p:nvSpPr>
         <p:spPr>
           <a:xfrm>
-            <a:off x="7001088" y="4046120"/>
+            <a:off x="5765516" y="3944149"/>
             <a:ext cx="1651379" cy="369332"/>
           </a:xfrm>
           <a:prstGeom prst="rect">
@@ -4280,8 +4280,8 @@
         </p:nvSpPr>
         <p:spPr>
           <a:xfrm>
-            <a:off x="4675664" y="4415453"/>
-            <a:ext cx="6927752" cy="3193080"/>
+            <a:off x="4781812" y="4415453"/>
+            <a:ext cx="6821604" cy="3193080"/>
           </a:xfrm>
           <a:prstGeom prst="rect">
             <a:avLst/>
@@ -4336,7 +4336,7 @@
         </p:nvSpPr>
         <p:spPr>
           <a:xfrm>
-            <a:off x="7920038" y="4710336"/>
+            <a:off x="6384495" y="4523374"/>
             <a:ext cx="3276679" cy="646331"/>
           </a:xfrm>
           <a:prstGeom prst="rect">
@@ -4590,6 +4590,263 @@
             <a:endParaRPr lang="sv-SE" dirty="0">
               <a:solidFill>
                 <a:schemeClr val="accent1"/>
+              </a:solidFill>
+            </a:endParaRPr>
+          </a:p>
+        </p:txBody>
+      </p:sp>
+      <p:pic>
+        <p:nvPicPr>
+          <p:cNvPr id="2" name="Bildobjekt 1">
+            <a:extLst>
+              <a:ext uri="{FF2B5EF4-FFF2-40B4-BE49-F238E27FC236}">
+                <a16:creationId xmlns:a16="http://schemas.microsoft.com/office/drawing/2014/main" id="{4E6E7C3D-C909-ED4C-AC29-784ABE40D61D}"/>
+              </a:ext>
+            </a:extLst>
+          </p:cNvPr>
+          <p:cNvPicPr>
+            <a:picLocks noChangeAspect="1"/>
+          </p:cNvPicPr>
+          <p:nvPr/>
+        </p:nvPicPr>
+        <p:blipFill>
+          <a:blip r:embed="rId3"/>
+          <a:stretch>
+            <a:fillRect/>
+          </a:stretch>
+        </p:blipFill>
+        <p:spPr>
+          <a:xfrm>
+            <a:off x="11775374" y="4376310"/>
+            <a:ext cx="2750484" cy="2272139"/>
+          </a:xfrm>
+          <a:prstGeom prst="rect">
+            <a:avLst/>
+          </a:prstGeom>
+        </p:spPr>
+      </p:pic>
+      <p:sp>
+        <p:nvSpPr>
+          <p:cNvPr id="35" name="Rektangel 34">
+            <a:extLst>
+              <a:ext uri="{FF2B5EF4-FFF2-40B4-BE49-F238E27FC236}">
+                <a16:creationId xmlns:a16="http://schemas.microsoft.com/office/drawing/2014/main" id="{EAF89F60-878A-9E4D-961F-C89D1B752D86}"/>
+              </a:ext>
+            </a:extLst>
+          </p:cNvPr>
+          <p:cNvSpPr/>
+          <p:nvPr/>
+        </p:nvSpPr>
+        <p:spPr>
+          <a:xfrm>
+            <a:off x="4663374" y="4247286"/>
+            <a:ext cx="9995601" cy="3517474"/>
+          </a:xfrm>
+          <a:prstGeom prst="rect">
+            <a:avLst/>
+          </a:prstGeom>
+          <a:noFill/>
+          <a:ln w="28575">
+            <a:solidFill>
+              <a:srgbClr val="FF0000"/>
+            </a:solidFill>
+          </a:ln>
+        </p:spPr>
+        <p:style>
+          <a:lnRef idx="2">
+            <a:schemeClr val="accent1">
+              <a:shade val="50000"/>
+            </a:schemeClr>
+          </a:lnRef>
+          <a:fillRef idx="1">
+            <a:schemeClr val="accent1"/>
+          </a:fillRef>
+          <a:effectRef idx="0">
+            <a:schemeClr val="accent1"/>
+          </a:effectRef>
+          <a:fontRef idx="minor">
+            <a:schemeClr val="lt1"/>
+          </a:fontRef>
+        </p:style>
+        <p:txBody>
+          <a:bodyPr rtlCol="0" anchor="ctr"/>
+          <a:lstStyle/>
+          <a:p>
+            <a:pPr algn="ctr"/>
+            <a:endParaRPr lang="sv-SE"/>
+          </a:p>
+        </p:txBody>
+      </p:sp>
+      <p:sp>
+        <p:nvSpPr>
+          <p:cNvPr id="36" name="textruta 35">
+            <a:extLst>
+              <a:ext uri="{FF2B5EF4-FFF2-40B4-BE49-F238E27FC236}">
+                <a16:creationId xmlns:a16="http://schemas.microsoft.com/office/drawing/2014/main" id="{CC70E0F9-7025-E44E-9BFF-E1DF6E4A499D}"/>
+              </a:ext>
+            </a:extLst>
+          </p:cNvPr>
+          <p:cNvSpPr txBox="1"/>
+          <p:nvPr/>
+        </p:nvSpPr>
+        <p:spPr>
+          <a:xfrm>
+            <a:off x="7906998" y="4154042"/>
+            <a:ext cx="1651379" cy="369332"/>
+          </a:xfrm>
+          <a:prstGeom prst="rect">
+            <a:avLst/>
+          </a:prstGeom>
+          <a:noFill/>
+        </p:spPr>
+        <p:txBody>
+          <a:bodyPr wrap="square" rtlCol="0">
+            <a:spAutoFit/>
+          </a:bodyPr>
+          <a:lstStyle/>
+          <a:p>
+            <a:r>
+              <a:rPr lang="sv-SE" dirty="0" err="1">
+                <a:solidFill>
+                  <a:srgbClr val="FF0000"/>
+                </a:solidFill>
+              </a:rPr>
+              <a:t>LuRow</a:t>
+            </a:r>
+            <a:endParaRPr lang="sv-SE" dirty="0">
+              <a:solidFill>
+                <a:srgbClr val="FF0000"/>
+              </a:solidFill>
+            </a:endParaRPr>
+          </a:p>
+        </p:txBody>
+      </p:sp>
+      <p:sp>
+        <p:nvSpPr>
+          <p:cNvPr id="37" name="textruta 36">
+            <a:extLst>
+              <a:ext uri="{FF2B5EF4-FFF2-40B4-BE49-F238E27FC236}">
+                <a16:creationId xmlns:a16="http://schemas.microsoft.com/office/drawing/2014/main" id="{FA8F41AB-4D2C-2142-A519-CC0A78B10E95}"/>
+              </a:ext>
+            </a:extLst>
+          </p:cNvPr>
+          <p:cNvSpPr txBox="1"/>
+          <p:nvPr/>
+        </p:nvSpPr>
+        <p:spPr>
+          <a:xfrm>
+            <a:off x="12660164" y="4523374"/>
+            <a:ext cx="3276679" cy="646331"/>
+          </a:xfrm>
+          <a:prstGeom prst="rect">
+            <a:avLst/>
+          </a:prstGeom>
+          <a:noFill/>
+        </p:spPr>
+        <p:txBody>
+          <a:bodyPr wrap="square" rtlCol="0">
+            <a:spAutoFit/>
+          </a:bodyPr>
+          <a:lstStyle/>
+          <a:p>
+            <a:r>
+              <a:rPr lang="sv-SE" dirty="0">
+                <a:solidFill>
+                  <a:schemeClr val="accent1"/>
+                </a:solidFill>
+              </a:rPr>
+              <a:t>right-</a:t>
+            </a:r>
+            <a:r>
+              <a:rPr lang="sv-SE" dirty="0" err="1">
+                <a:solidFill>
+                  <a:schemeClr val="accent1"/>
+                </a:solidFill>
+              </a:rPr>
+              <a:t>column</a:t>
+            </a:r>
+            <a:r>
+              <a:rPr lang="sv-SE" dirty="0">
+                <a:solidFill>
+                  <a:schemeClr val="accent1"/>
+                </a:solidFill>
+              </a:rPr>
+              <a:t> </a:t>
+            </a:r>
+            <a:r>
+              <a:rPr lang="sv-SE" dirty="0" err="1">
+                <a:solidFill>
+                  <a:schemeClr val="accent1"/>
+                </a:solidFill>
+              </a:rPr>
+              <a:t>slot</a:t>
+            </a:r>
+            <a:endParaRPr lang="sv-SE" dirty="0">
+              <a:solidFill>
+                <a:schemeClr val="accent1"/>
+              </a:solidFill>
+            </a:endParaRPr>
+          </a:p>
+          <a:p>
+            <a:endParaRPr lang="sv-SE" dirty="0">
+              <a:solidFill>
+                <a:schemeClr val="accent1"/>
+              </a:solidFill>
+            </a:endParaRPr>
+          </a:p>
+        </p:txBody>
+      </p:sp>
+      <p:sp>
+        <p:nvSpPr>
+          <p:cNvPr id="38" name="Rektangel 37">
+            <a:extLst>
+              <a:ext uri="{FF2B5EF4-FFF2-40B4-BE49-F238E27FC236}">
+                <a16:creationId xmlns:a16="http://schemas.microsoft.com/office/drawing/2014/main" id="{78B1090B-0800-564C-B5EA-4DB1655DE9E4}"/>
+              </a:ext>
+            </a:extLst>
+          </p:cNvPr>
+          <p:cNvSpPr/>
+          <p:nvPr/>
+        </p:nvSpPr>
+        <p:spPr>
+          <a:xfrm>
+            <a:off x="11719265" y="4386449"/>
+            <a:ext cx="2888254" cy="3222083"/>
+          </a:xfrm>
+          <a:prstGeom prst="rect">
+            <a:avLst/>
+          </a:prstGeom>
+          <a:noFill/>
+          <a:ln w="28575">
+            <a:solidFill>
+              <a:schemeClr val="accent1"/>
+            </a:solidFill>
+          </a:ln>
+        </p:spPr>
+        <p:style>
+          <a:lnRef idx="2">
+            <a:schemeClr val="accent1">
+              <a:shade val="50000"/>
+            </a:schemeClr>
+          </a:lnRef>
+          <a:fillRef idx="1">
+            <a:schemeClr val="accent1"/>
+          </a:fillRef>
+          <a:effectRef idx="0">
+            <a:schemeClr val="accent1"/>
+          </a:effectRef>
+          <a:fontRef idx="minor">
+            <a:schemeClr val="lt1"/>
+          </a:fontRef>
+        </p:style>
+        <p:txBody>
+          <a:bodyPr rtlCol="0" anchor="ctr"/>
+          <a:lstStyle/>
+          <a:p>
+            <a:pPr algn="ctr"/>
+            <a:endParaRPr lang="sv-SE">
+              <a:solidFill>
+                <a:srgbClr val="00B0F0"/>
               </a:solidFill>
             </a:endParaRPr>
           </a:p>

--- a/media/components.pptx
+++ b/media/components.pptx
@@ -197,7 +197,7 @@
           <a:p>
             <a:fld id="{2493DBFB-1373-FB44-B528-39E7BE5C2A0C}" type="datetimeFigureOut">
               <a:rPr lang="sv-SE" smtClean="0"/>
-              <a:t>2019-08-30</a:t>
+              <a:t>2020-12-09</a:t>
             </a:fld>
             <a:endParaRPr lang="sv-SE"/>
           </a:p>
@@ -595,7 +595,7 @@
           <a:p>
             <a:fld id="{0199F140-DCCC-1C43-B697-AE5A4988A779}" type="datetimeFigureOut">
               <a:rPr lang="sv-SE" smtClean="0"/>
-              <a:t>2019-08-30</a:t>
+              <a:t>2020-12-09</a:t>
             </a:fld>
             <a:endParaRPr lang="sv-SE"/>
           </a:p>
@@ -765,7 +765,7 @@
           <a:p>
             <a:fld id="{0199F140-DCCC-1C43-B697-AE5A4988A779}" type="datetimeFigureOut">
               <a:rPr lang="sv-SE" smtClean="0"/>
-              <a:t>2019-08-30</a:t>
+              <a:t>2020-12-09</a:t>
             </a:fld>
             <a:endParaRPr lang="sv-SE"/>
           </a:p>
@@ -945,7 +945,7 @@
           <a:p>
             <a:fld id="{0199F140-DCCC-1C43-B697-AE5A4988A779}" type="datetimeFigureOut">
               <a:rPr lang="sv-SE" smtClean="0"/>
-              <a:t>2019-08-30</a:t>
+              <a:t>2020-12-09</a:t>
             </a:fld>
             <a:endParaRPr lang="sv-SE"/>
           </a:p>
@@ -1115,7 +1115,7 @@
           <a:p>
             <a:fld id="{0199F140-DCCC-1C43-B697-AE5A4988A779}" type="datetimeFigureOut">
               <a:rPr lang="sv-SE" smtClean="0"/>
-              <a:t>2019-08-30</a:t>
+              <a:t>2020-12-09</a:t>
             </a:fld>
             <a:endParaRPr lang="sv-SE"/>
           </a:p>
@@ -1359,7 +1359,7 @@
           <a:p>
             <a:fld id="{0199F140-DCCC-1C43-B697-AE5A4988A779}" type="datetimeFigureOut">
               <a:rPr lang="sv-SE" smtClean="0"/>
-              <a:t>2019-08-30</a:t>
+              <a:t>2020-12-09</a:t>
             </a:fld>
             <a:endParaRPr lang="sv-SE"/>
           </a:p>
@@ -1591,7 +1591,7 @@
           <a:p>
             <a:fld id="{0199F140-DCCC-1C43-B697-AE5A4988A779}" type="datetimeFigureOut">
               <a:rPr lang="sv-SE" smtClean="0"/>
-              <a:t>2019-08-30</a:t>
+              <a:t>2020-12-09</a:t>
             </a:fld>
             <a:endParaRPr lang="sv-SE"/>
           </a:p>
@@ -1958,7 +1958,7 @@
           <a:p>
             <a:fld id="{0199F140-DCCC-1C43-B697-AE5A4988A779}" type="datetimeFigureOut">
               <a:rPr lang="sv-SE" smtClean="0"/>
-              <a:t>2019-08-30</a:t>
+              <a:t>2020-12-09</a:t>
             </a:fld>
             <a:endParaRPr lang="sv-SE"/>
           </a:p>
@@ -2076,7 +2076,7 @@
           <a:p>
             <a:fld id="{0199F140-DCCC-1C43-B697-AE5A4988A779}" type="datetimeFigureOut">
               <a:rPr lang="sv-SE" smtClean="0"/>
-              <a:t>2019-08-30</a:t>
+              <a:t>2020-12-09</a:t>
             </a:fld>
             <a:endParaRPr lang="sv-SE"/>
           </a:p>
@@ -2171,7 +2171,7 @@
           <a:p>
             <a:fld id="{0199F140-DCCC-1C43-B697-AE5A4988A779}" type="datetimeFigureOut">
               <a:rPr lang="sv-SE" smtClean="0"/>
-              <a:t>2019-08-30</a:t>
+              <a:t>2020-12-09</a:t>
             </a:fld>
             <a:endParaRPr lang="sv-SE"/>
           </a:p>
@@ -2448,7 +2448,7 @@
           <a:p>
             <a:fld id="{0199F140-DCCC-1C43-B697-AE5A4988A779}" type="datetimeFigureOut">
               <a:rPr lang="sv-SE" smtClean="0"/>
-              <a:t>2019-08-30</a:t>
+              <a:t>2020-12-09</a:t>
             </a:fld>
             <a:endParaRPr lang="sv-SE"/>
           </a:p>
@@ -2705,7 +2705,7 @@
           <a:p>
             <a:fld id="{0199F140-DCCC-1C43-B697-AE5A4988A779}" type="datetimeFigureOut">
               <a:rPr lang="sv-SE" smtClean="0"/>
-              <a:t>2019-08-30</a:t>
+              <a:t>2020-12-09</a:t>
             </a:fld>
             <a:endParaRPr lang="sv-SE"/>
           </a:p>
@@ -2918,7 +2918,7 @@
           <a:p>
             <a:fld id="{0199F140-DCCC-1C43-B697-AE5A4988A779}" type="datetimeFigureOut">
               <a:rPr lang="sv-SE" smtClean="0"/>
-              <a:t>2019-08-30</a:t>
+              <a:t>2020-12-09</a:t>
             </a:fld>
             <a:endParaRPr lang="sv-SE"/>
           </a:p>
@@ -4849,6 +4849,95 @@
                 <a:srgbClr val="00B0F0"/>
               </a:solidFill>
             </a:endParaRPr>
+          </a:p>
+        </p:txBody>
+      </p:sp>
+      <p:pic>
+        <p:nvPicPr>
+          <p:cNvPr id="4" name="Bildobjekt 3">
+            <a:extLst>
+              <a:ext uri="{FF2B5EF4-FFF2-40B4-BE49-F238E27FC236}">
+                <a16:creationId xmlns:a16="http://schemas.microsoft.com/office/drawing/2014/main" id="{AB4847C6-44D4-3141-A8C5-845AF6702EF8}"/>
+              </a:ext>
+            </a:extLst>
+          </p:cNvPr>
+          <p:cNvPicPr>
+            <a:picLocks noChangeAspect="1"/>
+          </p:cNvPicPr>
+          <p:nvPr/>
+        </p:nvPicPr>
+        <p:blipFill>
+          <a:blip r:embed="rId4"/>
+          <a:stretch>
+            <a:fillRect/>
+          </a:stretch>
+        </p:blipFill>
+        <p:spPr>
+          <a:xfrm>
+            <a:off x="13990637" y="10556046"/>
+            <a:ext cx="1041400" cy="406400"/>
+          </a:xfrm>
+          <a:prstGeom prst="rect">
+            <a:avLst/>
+          </a:prstGeom>
+        </p:spPr>
+      </p:pic>
+      <p:sp>
+        <p:nvSpPr>
+          <p:cNvPr id="39" name="Rektangel 38">
+            <a:extLst>
+              <a:ext uri="{FF2B5EF4-FFF2-40B4-BE49-F238E27FC236}">
+                <a16:creationId xmlns:a16="http://schemas.microsoft.com/office/drawing/2014/main" id="{17233EC3-2974-0E4C-B031-BBE3D83BD79A}"/>
+              </a:ext>
+            </a:extLst>
+          </p:cNvPr>
+          <p:cNvSpPr/>
+          <p:nvPr/>
+        </p:nvSpPr>
+        <p:spPr>
+          <a:xfrm>
+            <a:off x="12898877" y="10182505"/>
+            <a:ext cx="2133160" cy="814803"/>
+          </a:xfrm>
+          <a:prstGeom prst="rect">
+            <a:avLst/>
+          </a:prstGeom>
+          <a:noFill/>
+          <a:ln w="28575">
+            <a:solidFill>
+              <a:srgbClr val="FF0000"/>
+            </a:solidFill>
+          </a:ln>
+        </p:spPr>
+        <p:style>
+          <a:lnRef idx="2">
+            <a:schemeClr val="accent1">
+              <a:shade val="50000"/>
+            </a:schemeClr>
+          </a:lnRef>
+          <a:fillRef idx="1">
+            <a:schemeClr val="accent1"/>
+          </a:fillRef>
+          <a:effectRef idx="0">
+            <a:schemeClr val="accent1"/>
+          </a:effectRef>
+          <a:fontRef idx="minor">
+            <a:schemeClr val="lt1"/>
+          </a:fontRef>
+        </p:style>
+        <p:txBody>
+          <a:bodyPr rtlCol="0" anchor="ctr"/>
+          <a:lstStyle/>
+          <a:p>
+            <a:pPr algn="ctr"/>
+            <a:r>
+              <a:rPr lang="sv-SE"/>
+              <a:t>LuToTop</a:t>
+            </a:r>
+          </a:p>
+          <a:p>
+            <a:pPr algn="ctr"/>
+            <a:endParaRPr lang="sv-SE"/>
           </a:p>
         </p:txBody>
       </p:sp>

--- a/media/components.pptx
+++ b/media/components.pptx
@@ -197,7 +197,7 @@
           <a:p>
             <a:fld id="{2493DBFB-1373-FB44-B528-39E7BE5C2A0C}" type="datetimeFigureOut">
               <a:rPr lang="sv-SE" smtClean="0"/>
-              <a:t>2020-12-09</a:t>
+              <a:t>2021-11-30</a:t>
             </a:fld>
             <a:endParaRPr lang="sv-SE"/>
           </a:p>
@@ -595,7 +595,7 @@
           <a:p>
             <a:fld id="{0199F140-DCCC-1C43-B697-AE5A4988A779}" type="datetimeFigureOut">
               <a:rPr lang="sv-SE" smtClean="0"/>
-              <a:t>2020-12-09</a:t>
+              <a:t>2021-11-30</a:t>
             </a:fld>
             <a:endParaRPr lang="sv-SE"/>
           </a:p>
@@ -765,7 +765,7 @@
           <a:p>
             <a:fld id="{0199F140-DCCC-1C43-B697-AE5A4988A779}" type="datetimeFigureOut">
               <a:rPr lang="sv-SE" smtClean="0"/>
-              <a:t>2020-12-09</a:t>
+              <a:t>2021-11-30</a:t>
             </a:fld>
             <a:endParaRPr lang="sv-SE"/>
           </a:p>
@@ -945,7 +945,7 @@
           <a:p>
             <a:fld id="{0199F140-DCCC-1C43-B697-AE5A4988A779}" type="datetimeFigureOut">
               <a:rPr lang="sv-SE" smtClean="0"/>
-              <a:t>2020-12-09</a:t>
+              <a:t>2021-11-30</a:t>
             </a:fld>
             <a:endParaRPr lang="sv-SE"/>
           </a:p>
@@ -1115,7 +1115,7 @@
           <a:p>
             <a:fld id="{0199F140-DCCC-1C43-B697-AE5A4988A779}" type="datetimeFigureOut">
               <a:rPr lang="sv-SE" smtClean="0"/>
-              <a:t>2020-12-09</a:t>
+              <a:t>2021-11-30</a:t>
             </a:fld>
             <a:endParaRPr lang="sv-SE"/>
           </a:p>
@@ -1359,7 +1359,7 @@
           <a:p>
             <a:fld id="{0199F140-DCCC-1C43-B697-AE5A4988A779}" type="datetimeFigureOut">
               <a:rPr lang="sv-SE" smtClean="0"/>
-              <a:t>2020-12-09</a:t>
+              <a:t>2021-11-30</a:t>
             </a:fld>
             <a:endParaRPr lang="sv-SE"/>
           </a:p>
@@ -1591,7 +1591,7 @@
           <a:p>
             <a:fld id="{0199F140-DCCC-1C43-B697-AE5A4988A779}" type="datetimeFigureOut">
               <a:rPr lang="sv-SE" smtClean="0"/>
-              <a:t>2020-12-09</a:t>
+              <a:t>2021-11-30</a:t>
             </a:fld>
             <a:endParaRPr lang="sv-SE"/>
           </a:p>
@@ -1958,7 +1958,7 @@
           <a:p>
             <a:fld id="{0199F140-DCCC-1C43-B697-AE5A4988A779}" type="datetimeFigureOut">
               <a:rPr lang="sv-SE" smtClean="0"/>
-              <a:t>2020-12-09</a:t>
+              <a:t>2021-11-30</a:t>
             </a:fld>
             <a:endParaRPr lang="sv-SE"/>
           </a:p>
@@ -2076,7 +2076,7 @@
           <a:p>
             <a:fld id="{0199F140-DCCC-1C43-B697-AE5A4988A779}" type="datetimeFigureOut">
               <a:rPr lang="sv-SE" smtClean="0"/>
-              <a:t>2020-12-09</a:t>
+              <a:t>2021-11-30</a:t>
             </a:fld>
             <a:endParaRPr lang="sv-SE"/>
           </a:p>
@@ -2171,7 +2171,7 @@
           <a:p>
             <a:fld id="{0199F140-DCCC-1C43-B697-AE5A4988A779}" type="datetimeFigureOut">
               <a:rPr lang="sv-SE" smtClean="0"/>
-              <a:t>2020-12-09</a:t>
+              <a:t>2021-11-30</a:t>
             </a:fld>
             <a:endParaRPr lang="sv-SE"/>
           </a:p>
@@ -2448,7 +2448,7 @@
           <a:p>
             <a:fld id="{0199F140-DCCC-1C43-B697-AE5A4988A779}" type="datetimeFigureOut">
               <a:rPr lang="sv-SE" smtClean="0"/>
-              <a:t>2020-12-09</a:t>
+              <a:t>2021-11-30</a:t>
             </a:fld>
             <a:endParaRPr lang="sv-SE"/>
           </a:p>
@@ -2705,7 +2705,7 @@
           <a:p>
             <a:fld id="{0199F140-DCCC-1C43-B697-AE5A4988A779}" type="datetimeFigureOut">
               <a:rPr lang="sv-SE" smtClean="0"/>
-              <a:t>2020-12-09</a:t>
+              <a:t>2021-11-30</a:t>
             </a:fld>
             <a:endParaRPr lang="sv-SE"/>
           </a:p>
@@ -2918,7 +2918,7 @@
           <a:p>
             <a:fld id="{0199F140-DCCC-1C43-B697-AE5A4988A779}" type="datetimeFigureOut">
               <a:rPr lang="sv-SE" smtClean="0"/>
-              <a:t>2020-12-09</a:t>
+              <a:t>2021-11-30</a:t>
             </a:fld>
             <a:endParaRPr lang="sv-SE"/>
           </a:p>
@@ -4395,8 +4395,8 @@
         </p:nvSpPr>
         <p:spPr>
           <a:xfrm>
-            <a:off x="5903964" y="7915762"/>
-            <a:ext cx="1741603" cy="718271"/>
+            <a:off x="5883301" y="7866732"/>
+            <a:ext cx="1741603" cy="494744"/>
           </a:xfrm>
           <a:prstGeom prst="rect">
             <a:avLst/>
@@ -4451,7 +4451,7 @@
         </p:nvSpPr>
         <p:spPr>
           <a:xfrm>
-            <a:off x="5951600" y="8215376"/>
+            <a:off x="5939695" y="7758800"/>
             <a:ext cx="1516544" cy="646331"/>
           </a:xfrm>
           <a:prstGeom prst="rect">
@@ -4502,8 +4502,8 @@
         </p:nvSpPr>
         <p:spPr>
           <a:xfrm>
-            <a:off x="7781665" y="7926013"/>
-            <a:ext cx="1741603" cy="718271"/>
+            <a:off x="7761598" y="7858004"/>
+            <a:ext cx="1741603" cy="494745"/>
           </a:xfrm>
           <a:prstGeom prst="rect">
             <a:avLst/>
@@ -4558,7 +4558,7 @@
         </p:nvSpPr>
         <p:spPr>
           <a:xfrm>
-            <a:off x="7829301" y="8225627"/>
+            <a:off x="7781665" y="7769058"/>
             <a:ext cx="1516544" cy="646331"/>
           </a:xfrm>
           <a:prstGeom prst="rect">
@@ -4938,6 +4938,113 @@
           <a:p>
             <a:pPr algn="ctr"/>
             <a:endParaRPr lang="sv-SE"/>
+          </a:p>
+        </p:txBody>
+      </p:sp>
+      <p:sp>
+        <p:nvSpPr>
+          <p:cNvPr id="40" name="textruta 39">
+            <a:extLst>
+              <a:ext uri="{FF2B5EF4-FFF2-40B4-BE49-F238E27FC236}">
+                <a16:creationId xmlns:a16="http://schemas.microsoft.com/office/drawing/2014/main" id="{3C00DD8C-E8FE-864B-9702-D9B7E9F314A4}"/>
+              </a:ext>
+            </a:extLst>
+          </p:cNvPr>
+          <p:cNvSpPr txBox="1"/>
+          <p:nvPr/>
+        </p:nvSpPr>
+        <p:spPr>
+          <a:xfrm>
+            <a:off x="4648500" y="8414504"/>
+            <a:ext cx="2415573" cy="646331"/>
+          </a:xfrm>
+          <a:prstGeom prst="rect">
+            <a:avLst/>
+          </a:prstGeom>
+          <a:noFill/>
+        </p:spPr>
+        <p:txBody>
+          <a:bodyPr wrap="square" rtlCol="0">
+            <a:spAutoFit/>
+          </a:bodyPr>
+          <a:lstStyle/>
+          <a:p>
+            <a:r>
+              <a:rPr lang="sv-SE" dirty="0" err="1">
+                <a:solidFill>
+                  <a:schemeClr val="accent1"/>
+                </a:solidFill>
+              </a:rPr>
+              <a:t>pageManagerNotice</a:t>
+            </a:r>
+            <a:endParaRPr lang="sv-SE" dirty="0">
+              <a:solidFill>
+                <a:schemeClr val="accent1"/>
+              </a:solidFill>
+            </a:endParaRPr>
+          </a:p>
+          <a:p>
+            <a:endParaRPr lang="sv-SE" dirty="0">
+              <a:solidFill>
+                <a:schemeClr val="accent1"/>
+              </a:solidFill>
+            </a:endParaRPr>
+          </a:p>
+        </p:txBody>
+      </p:sp>
+      <p:sp>
+        <p:nvSpPr>
+          <p:cNvPr id="42" name="Rektangel 41">
+            <a:extLst>
+              <a:ext uri="{FF2B5EF4-FFF2-40B4-BE49-F238E27FC236}">
+                <a16:creationId xmlns:a16="http://schemas.microsoft.com/office/drawing/2014/main" id="{005F0B16-9B7F-D54D-B82D-1B29555569DF}"/>
+              </a:ext>
+            </a:extLst>
+          </p:cNvPr>
+          <p:cNvSpPr/>
+          <p:nvPr/>
+        </p:nvSpPr>
+        <p:spPr>
+          <a:xfrm>
+            <a:off x="4683204" y="8296837"/>
+            <a:ext cx="2088906" cy="478784"/>
+          </a:xfrm>
+          <a:prstGeom prst="rect">
+            <a:avLst/>
+          </a:prstGeom>
+          <a:noFill/>
+          <a:ln w="28575">
+            <a:solidFill>
+              <a:schemeClr val="accent1"/>
+            </a:solidFill>
+          </a:ln>
+        </p:spPr>
+        <p:style>
+          <a:lnRef idx="2">
+            <a:schemeClr val="accent1">
+              <a:shade val="50000"/>
+            </a:schemeClr>
+          </a:lnRef>
+          <a:fillRef idx="1">
+            <a:schemeClr val="accent1"/>
+          </a:fillRef>
+          <a:effectRef idx="0">
+            <a:schemeClr val="accent1"/>
+          </a:effectRef>
+          <a:fontRef idx="minor">
+            <a:schemeClr val="lt1"/>
+          </a:fontRef>
+        </p:style>
+        <p:txBody>
+          <a:bodyPr rtlCol="0" anchor="ctr"/>
+          <a:lstStyle/>
+          <a:p>
+            <a:pPr algn="ctr"/>
+            <a:endParaRPr lang="sv-SE">
+              <a:solidFill>
+                <a:srgbClr val="00B0F0"/>
+              </a:solidFill>
+            </a:endParaRPr>
           </a:p>
         </p:txBody>
       </p:sp>
